--- a/Projet -- SPEED DATING/Secret Ingredients for Falling in Love the Second.pptx
+++ b/Projet -- SPEED DATING/Secret Ingredients for Falling in Love the Second.pptx
@@ -4927,7 +4927,7 @@
         </p:nvSpPr>
         <p:spPr>
           <a:xfrm>
-            <a:off x="581192" y="2340864"/>
+            <a:off x="581192" y="2483477"/>
             <a:ext cx="11029615" cy="2650586"/>
           </a:xfrm>
         </p:spPr>
@@ -4945,7 +4945,7 @@
             </a:r>
             <a:r>
               <a:rPr lang="fr-FR" dirty="0" err="1"/>
-              <a:t>we</a:t>
+              <a:t>did</a:t>
             </a:r>
             <a:r>
               <a:rPr lang="fr-FR" dirty="0"/>
@@ -4953,6 +4953,14 @@
             </a:r>
             <a:r>
               <a:rPr lang="fr-FR" dirty="0" err="1"/>
+              <a:t>we</a:t>
+            </a:r>
+            <a:r>
+              <a:rPr lang="fr-FR" dirty="0"/>
+              <a:t> </a:t>
+            </a:r>
+            <a:r>
+              <a:rPr lang="fr-FR" dirty="0" err="1"/>
               <a:t>learn</a:t>
             </a:r>
             <a:r>
@@ -4967,7 +4975,7 @@
             </a:r>
             <a:r>
               <a:rPr lang="fr-FR" dirty="0"/>
-              <a:t> </a:t>
+              <a:t> can </a:t>
             </a:r>
             <a:r>
               <a:rPr lang="fr-FR" dirty="0" err="1"/>
@@ -4975,20 +4983,20 @@
             </a:r>
             <a:r>
               <a:rPr lang="fr-FR" dirty="0"/>
-              <a:t> can </a:t>
+              <a:t> </a:t>
             </a:r>
             <a:r>
               <a:rPr lang="fr-FR" dirty="0" err="1"/>
               <a:t>say</a:t>
             </a:r>
             <a:r>
-              <a:rPr lang="fr-FR" dirty="0"/>
+              <a:rPr lang="fr-FR"/>
               <a:t>?</a:t>
             </a:r>
           </a:p>
           <a:p>
             <a:r>
-              <a:rPr lang="fr-FR" dirty="0" err="1"/>
+              <a:rPr lang="fr-FR"/>
               <a:t>Why</a:t>
             </a:r>
             <a:r>
@@ -8398,6 +8406,15 @@
 </file>
 
 <file path=customXml/item2.xml><?xml version="1.0" encoding="utf-8"?>
+<?mso-contentType ?>
+<FormTemplates xmlns="http://schemas.microsoft.com/sharepoint/v3/contenttype/forms">
+  <Display>DocumentLibraryForm</Display>
+  <Edit>DocumentLibraryForm</Edit>
+  <New>DocumentLibraryForm</New>
+</FormTemplates>
+</file>
+
+<file path=customXml/item3.xml><?xml version="1.0" encoding="utf-8"?>
 <ct:contentTypeSchema xmlns:ct="http://schemas.microsoft.com/office/2006/metadata/contentType" xmlns:ma="http://schemas.microsoft.com/office/2006/metadata/properties/metaAttributes" ct:_="" ma:_="" ma:contentTypeName="Document" ma:contentTypeID="0x01010079F111ED35F8CC479449609E8A0923A6" ma:contentTypeVersion="12" ma:contentTypeDescription="Create a new document." ma:contentTypeScope="" ma:versionID="a410dd7f93c95333ffa1b60ed6adedd1">
   <xsd:schema xmlns:xsd="http://www.w3.org/2001/XMLSchema" xmlns:xs="http://www.w3.org/2001/XMLSchema" xmlns:p="http://schemas.microsoft.com/office/2006/metadata/properties" xmlns:ns2="71af3243-3dd4-4a8d-8c0d-dd76da1f02a5" xmlns:ns3="16c05727-aa75-4e4a-9b5f-8a80a1165891" targetNamespace="http://schemas.microsoft.com/office/2006/metadata/properties" ma:root="true" ma:fieldsID="a936d9baba76aa3866493feff160faab" ns2:_="" ns3:_="">
     <xsd:import namespace="71af3243-3dd4-4a8d-8c0d-dd76da1f02a5"/>
@@ -8618,15 +8635,6 @@
 </ct:contentTypeSchema>
 </file>
 
-<file path=customXml/item3.xml><?xml version="1.0" encoding="utf-8"?>
-<?mso-contentType ?>
-<FormTemplates xmlns="http://schemas.microsoft.com/sharepoint/v3/contenttype/forms">
-  <Display>DocumentLibraryForm</Display>
-  <Edit>DocumentLibraryForm</Edit>
-  <New>DocumentLibraryForm</New>
-</FormTemplates>
-</file>
-
 <file path=customXml/itemProps1.xml><?xml version="1.0" encoding="utf-8"?>
 <ds:datastoreItem xmlns:ds="http://schemas.openxmlformats.org/officeDocument/2006/customXml" ds:itemID="{8D289AE2-D2AE-49D1-AFAC-3A79F6794255}">
   <ds:schemaRefs>
@@ -8638,6 +8646,14 @@
 </file>
 
 <file path=customXml/itemProps2.xml><?xml version="1.0" encoding="utf-8"?>
+<ds:datastoreItem xmlns:ds="http://schemas.openxmlformats.org/officeDocument/2006/customXml" ds:itemID="{927BD4C1-B6B1-4715-ABF9-E660A51A4EA0}">
+  <ds:schemaRefs>
+    <ds:schemaRef ds:uri="http://schemas.microsoft.com/sharepoint/v3/contenttype/forms"/>
+  </ds:schemaRefs>
+</ds:datastoreItem>
+</file>
+
+<file path=customXml/itemProps3.xml><?xml version="1.0" encoding="utf-8"?>
 <ds:datastoreItem xmlns:ds="http://schemas.openxmlformats.org/officeDocument/2006/customXml" ds:itemID="{41E7CA09-9778-4414-AE97-8064B12DA30E}">
   <ds:schemaRefs>
     <ds:schemaRef ds:uri="http://schemas.microsoft.com/office/2006/metadata/contentType"/>
@@ -8654,12 +8670,4 @@
     <ds:schemaRef ds:uri="http://schemas.microsoft.com/internal/obd"/>
   </ds:schemaRefs>
 </ds:datastoreItem>
-</file>
-
-<file path=customXml/itemProps3.xml><?xml version="1.0" encoding="utf-8"?>
-<ds:datastoreItem xmlns:ds="http://schemas.openxmlformats.org/officeDocument/2006/customXml" ds:itemID="{927BD4C1-B6B1-4715-ABF9-E660A51A4EA0}">
-  <ds:schemaRefs>
-    <ds:schemaRef ds:uri="http://schemas.microsoft.com/sharepoint/v3/contenttype/forms"/>
-  </ds:schemaRefs>
-</ds:datastoreItem>
 </file>